--- a/documentation/assets/documents/lakbay-final-defense-presentation.pptx
+++ b/documentation/assets/documents/lakbay-final-defense-presentation.pptx
@@ -10,12 +10,11 @@
     <p:sldId id="258" r:id="rId4"/>
     <p:sldId id="259" r:id="rId5"/>
     <p:sldId id="260" r:id="rId6"/>
-    <p:sldId id="261" r:id="rId7"/>
-    <p:sldId id="262" r:id="rId8"/>
-    <p:sldId id="263" r:id="rId9"/>
-    <p:sldId id="264" r:id="rId10"/>
-    <p:sldId id="265" r:id="rId11"/>
-    <p:sldId id="266" r:id="rId12"/>
+    <p:sldId id="262" r:id="rId7"/>
+    <p:sldId id="263" r:id="rId8"/>
+    <p:sldId id="264" r:id="rId9"/>
+    <p:sldId id="265" r:id="rId10"/>
+    <p:sldId id="266" r:id="rId11"/>
   </p:sldIdLst>
   <p:sldSz cx="12192000" cy="6858000"/>
   <p:notesSz cx="6858000" cy="9144000"/>
@@ -114,6 +113,11 @@
       </a:defRPr>
     </a:lvl9pPr>
   </p:defaultTextStyle>
+  <p:extLst>
+    <p:ext uri="{EFAFB233-063F-42B5-8137-9DF3F51BA10A}">
+      <p15:sldGuideLst xmlns:p15="http://schemas.microsoft.com/office/powerpoint/2012/main"/>
+    </p:ext>
+  </p:extLst>
 </p:presentation>
 </file>
 
@@ -269,7 +273,7 @@
           <a:p>
             <a:fld id="{52F46CF8-7701-4F8E-B289-D437373685D2}" type="datetimeFigureOut">
               <a:rPr lang="en-PH" smtClean="0"/>
-              <a:t>18/05/2022</a:t>
+              <a:t>19/05/2022</a:t>
             </a:fld>
             <a:endParaRPr lang="en-PH"/>
           </a:p>
@@ -512,7 +516,7 @@
           <a:p>
             <a:fld id="{52F46CF8-7701-4F8E-B289-D437373685D2}" type="datetimeFigureOut">
               <a:rPr lang="en-PH" smtClean="0"/>
-              <a:t>18/05/2022</a:t>
+              <a:t>19/05/2022</a:t>
             </a:fld>
             <a:endParaRPr lang="en-PH"/>
           </a:p>
@@ -692,7 +696,7 @@
           <a:p>
             <a:fld id="{52F46CF8-7701-4F8E-B289-D437373685D2}" type="datetimeFigureOut">
               <a:rPr lang="en-PH" smtClean="0"/>
-              <a:t>18/05/2022</a:t>
+              <a:t>19/05/2022</a:t>
             </a:fld>
             <a:endParaRPr lang="en-PH"/>
           </a:p>
@@ -897,7 +901,7 @@
           <a:p>
             <a:fld id="{52F46CF8-7701-4F8E-B289-D437373685D2}" type="datetimeFigureOut">
               <a:rPr lang="en-PH" smtClean="0"/>
-              <a:t>18/05/2022</a:t>
+              <a:t>19/05/2022</a:t>
             </a:fld>
             <a:endParaRPr lang="en-PH"/>
           </a:p>
@@ -1154,7 +1158,7 @@
           <a:p>
             <a:fld id="{52F46CF8-7701-4F8E-B289-D437373685D2}" type="datetimeFigureOut">
               <a:rPr lang="en-PH" smtClean="0"/>
-              <a:t>18/05/2022</a:t>
+              <a:t>19/05/2022</a:t>
             </a:fld>
             <a:endParaRPr lang="en-PH"/>
           </a:p>
@@ -1501,7 +1505,7 @@
           <a:p>
             <a:fld id="{52F46CF8-7701-4F8E-B289-D437373685D2}" type="datetimeFigureOut">
               <a:rPr lang="en-PH" smtClean="0"/>
-              <a:t>18/05/2022</a:t>
+              <a:t>19/05/2022</a:t>
             </a:fld>
             <a:endParaRPr lang="en-PH"/>
           </a:p>
@@ -1903,7 +1907,7 @@
           <a:p>
             <a:fld id="{52F46CF8-7701-4F8E-B289-D437373685D2}" type="datetimeFigureOut">
               <a:rPr lang="en-PH" smtClean="0"/>
-              <a:t>18/05/2022</a:t>
+              <a:t>19/05/2022</a:t>
             </a:fld>
             <a:endParaRPr lang="en-PH"/>
           </a:p>
@@ -2021,7 +2025,7 @@
           <a:p>
             <a:fld id="{52F46CF8-7701-4F8E-B289-D437373685D2}" type="datetimeFigureOut">
               <a:rPr lang="en-PH" smtClean="0"/>
-              <a:t>18/05/2022</a:t>
+              <a:t>19/05/2022</a:t>
             </a:fld>
             <a:endParaRPr lang="en-PH"/>
           </a:p>
@@ -2116,7 +2120,7 @@
           <a:p>
             <a:fld id="{52F46CF8-7701-4F8E-B289-D437373685D2}" type="datetimeFigureOut">
               <a:rPr lang="en-PH" smtClean="0"/>
-              <a:t>18/05/2022</a:t>
+              <a:t>19/05/2022</a:t>
             </a:fld>
             <a:endParaRPr lang="en-PH"/>
           </a:p>
@@ -2406,7 +2410,7 @@
           <a:p>
             <a:fld id="{52F46CF8-7701-4F8E-B289-D437373685D2}" type="datetimeFigureOut">
               <a:rPr lang="en-PH" smtClean="0"/>
-              <a:t>18/05/2022</a:t>
+              <a:t>19/05/2022</a:t>
             </a:fld>
             <a:endParaRPr lang="en-PH"/>
           </a:p>
@@ -2686,7 +2690,7 @@
           <a:p>
             <a:fld id="{52F46CF8-7701-4F8E-B289-D437373685D2}" type="datetimeFigureOut">
               <a:rPr lang="en-PH" smtClean="0"/>
-              <a:t>18/05/2022</a:t>
+              <a:t>19/05/2022</a:t>
             </a:fld>
             <a:endParaRPr lang="en-PH"/>
           </a:p>
@@ -2936,7 +2940,7 @@
           <a:p>
             <a:fld id="{52F46CF8-7701-4F8E-B289-D437373685D2}" type="datetimeFigureOut">
               <a:rPr lang="en-PH" smtClean="0"/>
-              <a:t>18/05/2022</a:t>
+              <a:t>19/05/2022</a:t>
             </a:fld>
             <a:endParaRPr lang="en-PH"/>
           </a:p>
@@ -3612,124 +3616,6 @@
           <a:p>
             <a:r>
               <a:rPr lang="en-PH" dirty="0"/>
-              <a:t>SUMMARY</a:t>
-            </a:r>
-          </a:p>
-        </p:txBody>
-      </p:sp>
-      <p:sp>
-        <p:nvSpPr>
-          <p:cNvPr id="3" name="Content Placeholder 2">
-            <a:extLst>
-              <a:ext uri="{FF2B5EF4-FFF2-40B4-BE49-F238E27FC236}">
-                <a16:creationId xmlns:a16="http://schemas.microsoft.com/office/drawing/2014/main" id="{DF8CC231-4235-45E3-BC90-E3516AD0B3CA}"/>
-              </a:ext>
-            </a:extLst>
-          </p:cNvPr>
-          <p:cNvSpPr>
-            <a:spLocks noGrp="1"/>
-          </p:cNvSpPr>
-          <p:nvPr>
-            <p:ph idx="1"/>
-          </p:nvPr>
-        </p:nvSpPr>
-        <p:spPr/>
-        <p:txBody>
-          <a:bodyPr/>
-          <a:lstStyle/>
-          <a:p>
-            <a:pPr>
-              <a:buFont typeface="Wingdings" panose="05000000000000000000" pitchFamily="2" charset="2"/>
-              <a:buChar char="§"/>
-            </a:pPr>
-            <a:r>
-              <a:rPr lang="en-US" dirty="0"/>
-              <a:t> </a:t>
-            </a:r>
-            <a:r>
-              <a:rPr lang="en-US" dirty="0" err="1"/>
-              <a:t>Lakbay</a:t>
-            </a:r>
-            <a:r>
-              <a:rPr lang="en-US" dirty="0"/>
-              <a:t> is an Android application that provides a reliable and useful medium for drivers and aspiring ones to learn driving and etiquette on the road.</a:t>
-            </a:r>
-          </a:p>
-          <a:p>
-            <a:pPr>
-              <a:buFont typeface="Wingdings" panose="05000000000000000000" pitchFamily="2" charset="2"/>
-              <a:buChar char="§"/>
-            </a:pPr>
-            <a:r>
-              <a:rPr lang="en-US" dirty="0"/>
-              <a:t> This application aims to be an aid of learning for Gear-1 Driving School students by providing reliable lessons.</a:t>
-            </a:r>
-          </a:p>
-          <a:p>
-            <a:pPr>
-              <a:buFont typeface="Wingdings" panose="05000000000000000000" pitchFamily="2" charset="2"/>
-              <a:buChar char="§"/>
-            </a:pPr>
-            <a:r>
-              <a:rPr lang="en-US" dirty="0"/>
-              <a:t> It uses Rapid Application Development (RAD) and consists of four modules.</a:t>
-            </a:r>
-          </a:p>
-        </p:txBody>
-      </p:sp>
-    </p:spTree>
-    <p:extLst>
-      <p:ext uri="{BB962C8B-B14F-4D97-AF65-F5344CB8AC3E}">
-        <p14:creationId xmlns:p14="http://schemas.microsoft.com/office/powerpoint/2010/main" val="1666515350"/>
-      </p:ext>
-    </p:extLst>
-  </p:cSld>
-  <p:clrMapOvr>
-    <a:masterClrMapping/>
-  </p:clrMapOvr>
-</p:sld>
-</file>
-
-<file path=ppt/slides/slide11.xml><?xml version="1.0" encoding="utf-8"?>
-<p:sld xmlns:a="http://schemas.openxmlformats.org/drawingml/2006/main" xmlns:r="http://schemas.openxmlformats.org/officeDocument/2006/relationships" xmlns:p="http://schemas.openxmlformats.org/presentationml/2006/main">
-  <p:cSld>
-    <p:spTree>
-      <p:nvGrpSpPr>
-        <p:cNvPr id="1" name=""/>
-        <p:cNvGrpSpPr/>
-        <p:nvPr/>
-      </p:nvGrpSpPr>
-      <p:grpSpPr>
-        <a:xfrm>
-          <a:off x="0" y="0"/>
-          <a:ext cx="0" cy="0"/>
-          <a:chOff x="0" y="0"/>
-          <a:chExt cx="0" cy="0"/>
-        </a:xfrm>
-      </p:grpSpPr>
-      <p:sp>
-        <p:nvSpPr>
-          <p:cNvPr id="2" name="Title 1">
-            <a:extLst>
-              <a:ext uri="{FF2B5EF4-FFF2-40B4-BE49-F238E27FC236}">
-                <a16:creationId xmlns:a16="http://schemas.microsoft.com/office/drawing/2014/main" id="{FC78B85C-89D3-4951-A648-8604DED69F39}"/>
-              </a:ext>
-            </a:extLst>
-          </p:cNvPr>
-          <p:cNvSpPr>
-            <a:spLocks noGrp="1"/>
-          </p:cNvSpPr>
-          <p:nvPr>
-            <p:ph type="title"/>
-          </p:nvPr>
-        </p:nvSpPr>
-        <p:spPr/>
-        <p:txBody>
-          <a:bodyPr/>
-          <a:lstStyle/>
-          <a:p>
-            <a:r>
-              <a:rPr lang="en-PH" dirty="0"/>
               <a:t>conclusion</a:t>
             </a:r>
           </a:p>
@@ -4337,15 +4223,7 @@
             </a:pPr>
             <a:r>
               <a:rPr lang="en-US" dirty="0"/>
-              <a:t> </a:t>
-            </a:r>
-            <a:r>
-              <a:rPr lang="en-US" dirty="0" err="1"/>
-              <a:t>Lakbay</a:t>
-            </a:r>
-            <a:r>
-              <a:rPr lang="en-US" dirty="0"/>
-              <a:t> is a free game application that can be used by anyone as long as they have installed the application on their mobile devices.</a:t>
+              <a:t> Install first and play later.</a:t>
             </a:r>
           </a:p>
           <a:p>
@@ -4355,7 +4233,7 @@
             </a:pPr>
             <a:r>
               <a:rPr lang="en-US" dirty="0"/>
-              <a:t> The android application is strictly meant to be played. Gear-1 Driving School cannot interact with the players of the game in any way such as their data, etc. Moreover, some part of the application needs an internet connection specifically to watchable videos that are included in the game.</a:t>
+              <a:t> Offline but some parts require internet access.</a:t>
             </a:r>
           </a:p>
           <a:p>
@@ -4365,7 +4243,27 @@
             </a:pPr>
             <a:r>
               <a:rPr lang="en-US" dirty="0"/>
-              <a:t> Gear-1 Driving School offers a complete Practical Driving Course Exam whilst the game only offers 8 lessons namely: BLOWBAGETS, Traffic Signal Rules, Right-of-way, Three-Point Turn, Tailgating, Backing Angle Parking, Perpendicular Parking, Parallel Parking.</a:t>
+              <a:t> Offers eight lessons in relevance to the Practical Driving Course (PDC).</a:t>
+            </a:r>
+          </a:p>
+          <a:p>
+            <a:pPr>
+              <a:buFont typeface="Wingdings" panose="05000000000000000000" pitchFamily="2" charset="2"/>
+              <a:buChar char="§"/>
+            </a:pPr>
+            <a:r>
+              <a:rPr lang="en-US" dirty="0"/>
+              <a:t> Not a perfect substitute but aids the learning process.</a:t>
+            </a:r>
+          </a:p>
+          <a:p>
+            <a:pPr>
+              <a:buFont typeface="Wingdings" panose="05000000000000000000" pitchFamily="2" charset="2"/>
+              <a:buChar char="§"/>
+            </a:pPr>
+            <a:r>
+              <a:rPr lang="en-US" dirty="0"/>
+              <a:t> Offers two types of transmissions: Automatic and Manual.</a:t>
             </a:r>
           </a:p>
           <a:p>
@@ -4405,107 +4303,6 @@
       </p:grpSpPr>
       <p:sp>
         <p:nvSpPr>
-          <p:cNvPr id="2" name="Title 1">
-            <a:extLst>
-              <a:ext uri="{FF2B5EF4-FFF2-40B4-BE49-F238E27FC236}">
-                <a16:creationId xmlns:a16="http://schemas.microsoft.com/office/drawing/2014/main" id="{891C42B2-CD4E-4A63-BF7B-300DA0A8DF93}"/>
-              </a:ext>
-            </a:extLst>
-          </p:cNvPr>
-          <p:cNvSpPr>
-            <a:spLocks noGrp="1"/>
-          </p:cNvSpPr>
-          <p:nvPr>
-            <p:ph type="title"/>
-          </p:nvPr>
-        </p:nvSpPr>
-        <p:spPr/>
-        <p:txBody>
-          <a:bodyPr/>
-          <a:lstStyle/>
-          <a:p>
-            <a:r>
-              <a:rPr lang="en-PH" dirty="0"/>
-              <a:t>Limitation</a:t>
-            </a:r>
-          </a:p>
-        </p:txBody>
-      </p:sp>
-      <p:sp>
-        <p:nvSpPr>
-          <p:cNvPr id="3" name="Content Placeholder 2">
-            <a:extLst>
-              <a:ext uri="{FF2B5EF4-FFF2-40B4-BE49-F238E27FC236}">
-                <a16:creationId xmlns:a16="http://schemas.microsoft.com/office/drawing/2014/main" id="{7150F028-ACD5-4260-9EFC-6A0AAC55F52D}"/>
-              </a:ext>
-            </a:extLst>
-          </p:cNvPr>
-          <p:cNvSpPr>
-            <a:spLocks noGrp="1"/>
-          </p:cNvSpPr>
-          <p:nvPr>
-            <p:ph idx="1"/>
-          </p:nvPr>
-        </p:nvSpPr>
-        <p:spPr/>
-        <p:txBody>
-          <a:bodyPr/>
-          <a:lstStyle/>
-          <a:p>
-            <a:pPr>
-              <a:buFont typeface="Wingdings" panose="05000000000000000000" pitchFamily="2" charset="2"/>
-              <a:buChar char="§"/>
-            </a:pPr>
-            <a:r>
-              <a:rPr lang="en-US" dirty="0"/>
-              <a:t> The android application is only for reading lessons, watching videos, and playing games. It is only an aid for educating students about driving lessons and does not serve as a substitute for the courses offered by Gear-1 Driving School.</a:t>
-            </a:r>
-          </a:p>
-          <a:p>
-            <a:pPr>
-              <a:buFont typeface="Wingdings" panose="05000000000000000000" pitchFamily="2" charset="2"/>
-              <a:buChar char="§"/>
-            </a:pPr>
-            <a:r>
-              <a:rPr lang="en-US" dirty="0"/>
-              <a:t> The type of vehicle (car) used in the Stepped Application is Automatic and Manual Transmission but the controls included in the game do not reflect the complete controls of the actual vehicle.</a:t>
-            </a:r>
-            <a:endParaRPr lang="en-PH" dirty="0"/>
-          </a:p>
-        </p:txBody>
-      </p:sp>
-    </p:spTree>
-    <p:extLst>
-      <p:ext uri="{BB962C8B-B14F-4D97-AF65-F5344CB8AC3E}">
-        <p14:creationId xmlns:p14="http://schemas.microsoft.com/office/powerpoint/2010/main" val="2216068303"/>
-      </p:ext>
-    </p:extLst>
-  </p:cSld>
-  <p:clrMapOvr>
-    <a:masterClrMapping/>
-  </p:clrMapOvr>
-</p:sld>
-</file>
-
-<file path=ppt/slides/slide7.xml><?xml version="1.0" encoding="utf-8"?>
-<p:sld xmlns:a="http://schemas.openxmlformats.org/drawingml/2006/main" xmlns:r="http://schemas.openxmlformats.org/officeDocument/2006/relationships" xmlns:p="http://schemas.openxmlformats.org/presentationml/2006/main">
-  <p:cSld>
-    <p:spTree>
-      <p:nvGrpSpPr>
-        <p:cNvPr id="1" name=""/>
-        <p:cNvGrpSpPr/>
-        <p:nvPr/>
-      </p:nvGrpSpPr>
-      <p:grpSpPr>
-        <a:xfrm>
-          <a:off x="0" y="0"/>
-          <a:ext cx="0" cy="0"/>
-          <a:chOff x="0" y="0"/>
-          <a:chExt cx="0" cy="0"/>
-        </a:xfrm>
-      </p:grpSpPr>
-      <p:sp>
-        <p:nvSpPr>
           <p:cNvPr id="4" name="Title 3">
             <a:extLst>
               <a:ext uri="{FF2B5EF4-FFF2-40B4-BE49-F238E27FC236}">
@@ -4660,7 +4457,7 @@
 </p:sld>
 </file>
 
-<file path=ppt/slides/slide8.xml><?xml version="1.0" encoding="utf-8"?>
+<file path=ppt/slides/slide7.xml><?xml version="1.0" encoding="utf-8"?>
 <p:sld xmlns:a="http://schemas.openxmlformats.org/drawingml/2006/main" xmlns:r="http://schemas.openxmlformats.org/officeDocument/2006/relationships" xmlns:p="http://schemas.openxmlformats.org/presentationml/2006/main">
   <p:cSld>
     <p:spTree>
@@ -5348,7 +5145,7 @@
 </p:sld>
 </file>
 
-<file path=ppt/slides/slide9.xml><?xml version="1.0" encoding="utf-8"?>
+<file path=ppt/slides/slide8.xml><?xml version="1.0" encoding="utf-8"?>
 <p:sld xmlns:a="http://schemas.openxmlformats.org/drawingml/2006/main" xmlns:r="http://schemas.openxmlformats.org/officeDocument/2006/relationships" xmlns:p="http://schemas.openxmlformats.org/presentationml/2006/main">
   <p:cSld>
     <p:spTree>
@@ -6141,6 +5938,124 @@
     <p:extLst>
       <p:ext uri="{BB962C8B-B14F-4D97-AF65-F5344CB8AC3E}">
         <p14:creationId xmlns:p14="http://schemas.microsoft.com/office/powerpoint/2010/main" val="2898052823"/>
+      </p:ext>
+    </p:extLst>
+  </p:cSld>
+  <p:clrMapOvr>
+    <a:masterClrMapping/>
+  </p:clrMapOvr>
+</p:sld>
+</file>
+
+<file path=ppt/slides/slide9.xml><?xml version="1.0" encoding="utf-8"?>
+<p:sld xmlns:a="http://schemas.openxmlformats.org/drawingml/2006/main" xmlns:r="http://schemas.openxmlformats.org/officeDocument/2006/relationships" xmlns:p="http://schemas.openxmlformats.org/presentationml/2006/main">
+  <p:cSld>
+    <p:spTree>
+      <p:nvGrpSpPr>
+        <p:cNvPr id="1" name=""/>
+        <p:cNvGrpSpPr/>
+        <p:nvPr/>
+      </p:nvGrpSpPr>
+      <p:grpSpPr>
+        <a:xfrm>
+          <a:off x="0" y="0"/>
+          <a:ext cx="0" cy="0"/>
+          <a:chOff x="0" y="0"/>
+          <a:chExt cx="0" cy="0"/>
+        </a:xfrm>
+      </p:grpSpPr>
+      <p:sp>
+        <p:nvSpPr>
+          <p:cNvPr id="2" name="Title 1">
+            <a:extLst>
+              <a:ext uri="{FF2B5EF4-FFF2-40B4-BE49-F238E27FC236}">
+                <a16:creationId xmlns:a16="http://schemas.microsoft.com/office/drawing/2014/main" id="{FC78B85C-89D3-4951-A648-8604DED69F39}"/>
+              </a:ext>
+            </a:extLst>
+          </p:cNvPr>
+          <p:cNvSpPr>
+            <a:spLocks noGrp="1"/>
+          </p:cNvSpPr>
+          <p:nvPr>
+            <p:ph type="title"/>
+          </p:nvPr>
+        </p:nvSpPr>
+        <p:spPr/>
+        <p:txBody>
+          <a:bodyPr/>
+          <a:lstStyle/>
+          <a:p>
+            <a:r>
+              <a:rPr lang="en-PH" dirty="0"/>
+              <a:t>SUMMARY</a:t>
+            </a:r>
+          </a:p>
+        </p:txBody>
+      </p:sp>
+      <p:sp>
+        <p:nvSpPr>
+          <p:cNvPr id="3" name="Content Placeholder 2">
+            <a:extLst>
+              <a:ext uri="{FF2B5EF4-FFF2-40B4-BE49-F238E27FC236}">
+                <a16:creationId xmlns:a16="http://schemas.microsoft.com/office/drawing/2014/main" id="{DF8CC231-4235-45E3-BC90-E3516AD0B3CA}"/>
+              </a:ext>
+            </a:extLst>
+          </p:cNvPr>
+          <p:cNvSpPr>
+            <a:spLocks noGrp="1"/>
+          </p:cNvSpPr>
+          <p:nvPr>
+            <p:ph idx="1"/>
+          </p:nvPr>
+        </p:nvSpPr>
+        <p:spPr/>
+        <p:txBody>
+          <a:bodyPr/>
+          <a:lstStyle/>
+          <a:p>
+            <a:pPr>
+              <a:buFont typeface="Wingdings" panose="05000000000000000000" pitchFamily="2" charset="2"/>
+              <a:buChar char="§"/>
+            </a:pPr>
+            <a:r>
+              <a:rPr lang="en-US" dirty="0"/>
+              <a:t> </a:t>
+            </a:r>
+            <a:r>
+              <a:rPr lang="en-US" dirty="0" err="1"/>
+              <a:t>Lakbay</a:t>
+            </a:r>
+            <a:r>
+              <a:rPr lang="en-US" dirty="0"/>
+              <a:t> is an Android application that provides a reliable and useful medium for drivers and aspiring ones to learn driving and etiquette on the road.</a:t>
+            </a:r>
+          </a:p>
+          <a:p>
+            <a:pPr>
+              <a:buFont typeface="Wingdings" panose="05000000000000000000" pitchFamily="2" charset="2"/>
+              <a:buChar char="§"/>
+            </a:pPr>
+            <a:r>
+              <a:rPr lang="en-US" dirty="0"/>
+              <a:t> This application aims to be an aid of learning for Gear-1 Driving School students by providing reliable lessons.</a:t>
+            </a:r>
+          </a:p>
+          <a:p>
+            <a:pPr>
+              <a:buFont typeface="Wingdings" panose="05000000000000000000" pitchFamily="2" charset="2"/>
+              <a:buChar char="§"/>
+            </a:pPr>
+            <a:r>
+              <a:rPr lang="en-US" dirty="0"/>
+              <a:t> It uses Rapid Application Development (RAD) and consists of four modules.</a:t>
+            </a:r>
+          </a:p>
+        </p:txBody>
+      </p:sp>
+    </p:spTree>
+    <p:extLst>
+      <p:ext uri="{BB962C8B-B14F-4D97-AF65-F5344CB8AC3E}">
+        <p14:creationId xmlns:p14="http://schemas.microsoft.com/office/powerpoint/2010/main" val="1666515350"/>
       </p:ext>
     </p:extLst>
   </p:cSld>
